--- a/Translitorator.pptx
+++ b/Translitorator.pptx
@@ -264,7 +264,7 @@
           <a:p>
             <a:fld id="{6F403487-B396-4A64-A920-C975A6131ED1}" type="datetimeFigureOut">
               <a:rPr lang="en-IN" smtClean="0"/>
-              <a:t>06-06-2020</a:t>
+              <a:t>07-06-2020</a:t>
             </a:fld>
             <a:endParaRPr lang="en-IN"/>
           </a:p>
@@ -464,7 +464,7 @@
           <a:p>
             <a:fld id="{6F403487-B396-4A64-A920-C975A6131ED1}" type="datetimeFigureOut">
               <a:rPr lang="en-IN" smtClean="0"/>
-              <a:t>06-06-2020</a:t>
+              <a:t>07-06-2020</a:t>
             </a:fld>
             <a:endParaRPr lang="en-IN"/>
           </a:p>
@@ -674,7 +674,7 @@
           <a:p>
             <a:fld id="{6F403487-B396-4A64-A920-C975A6131ED1}" type="datetimeFigureOut">
               <a:rPr lang="en-IN" smtClean="0"/>
-              <a:t>06-06-2020</a:t>
+              <a:t>07-06-2020</a:t>
             </a:fld>
             <a:endParaRPr lang="en-IN"/>
           </a:p>
@@ -874,7 +874,7 @@
           <a:p>
             <a:fld id="{6F403487-B396-4A64-A920-C975A6131ED1}" type="datetimeFigureOut">
               <a:rPr lang="en-IN" smtClean="0"/>
-              <a:t>06-06-2020</a:t>
+              <a:t>07-06-2020</a:t>
             </a:fld>
             <a:endParaRPr lang="en-IN"/>
           </a:p>
@@ -1150,7 +1150,7 @@
           <a:p>
             <a:fld id="{6F403487-B396-4A64-A920-C975A6131ED1}" type="datetimeFigureOut">
               <a:rPr lang="en-IN" smtClean="0"/>
-              <a:t>06-06-2020</a:t>
+              <a:t>07-06-2020</a:t>
             </a:fld>
             <a:endParaRPr lang="en-IN"/>
           </a:p>
@@ -1418,7 +1418,7 @@
           <a:p>
             <a:fld id="{6F403487-B396-4A64-A920-C975A6131ED1}" type="datetimeFigureOut">
               <a:rPr lang="en-IN" smtClean="0"/>
-              <a:t>06-06-2020</a:t>
+              <a:t>07-06-2020</a:t>
             </a:fld>
             <a:endParaRPr lang="en-IN"/>
           </a:p>
@@ -1833,7 +1833,7 @@
           <a:p>
             <a:fld id="{6F403487-B396-4A64-A920-C975A6131ED1}" type="datetimeFigureOut">
               <a:rPr lang="en-IN" smtClean="0"/>
-              <a:t>06-06-2020</a:t>
+              <a:t>07-06-2020</a:t>
             </a:fld>
             <a:endParaRPr lang="en-IN"/>
           </a:p>
@@ -1975,7 +1975,7 @@
           <a:p>
             <a:fld id="{6F403487-B396-4A64-A920-C975A6131ED1}" type="datetimeFigureOut">
               <a:rPr lang="en-IN" smtClean="0"/>
-              <a:t>06-06-2020</a:t>
+              <a:t>07-06-2020</a:t>
             </a:fld>
             <a:endParaRPr lang="en-IN"/>
           </a:p>
@@ -2088,7 +2088,7 @@
           <a:p>
             <a:fld id="{6F403487-B396-4A64-A920-C975A6131ED1}" type="datetimeFigureOut">
               <a:rPr lang="en-IN" smtClean="0"/>
-              <a:t>06-06-2020</a:t>
+              <a:t>07-06-2020</a:t>
             </a:fld>
             <a:endParaRPr lang="en-IN"/>
           </a:p>
@@ -2401,7 +2401,7 @@
           <a:p>
             <a:fld id="{6F403487-B396-4A64-A920-C975A6131ED1}" type="datetimeFigureOut">
               <a:rPr lang="en-IN" smtClean="0"/>
-              <a:t>06-06-2020</a:t>
+              <a:t>07-06-2020</a:t>
             </a:fld>
             <a:endParaRPr lang="en-IN"/>
           </a:p>
@@ -2690,7 +2690,7 @@
           <a:p>
             <a:fld id="{6F403487-B396-4A64-A920-C975A6131ED1}" type="datetimeFigureOut">
               <a:rPr lang="en-IN" smtClean="0"/>
-              <a:t>06-06-2020</a:t>
+              <a:t>07-06-2020</a:t>
             </a:fld>
             <a:endParaRPr lang="en-IN"/>
           </a:p>
@@ -2933,7 +2933,7 @@
           <a:p>
             <a:fld id="{6F403487-B396-4A64-A920-C975A6131ED1}" type="datetimeFigureOut">
               <a:rPr lang="en-IN" smtClean="0"/>
-              <a:t>06-06-2020</a:t>
+              <a:t>07-06-2020</a:t>
             </a:fld>
             <a:endParaRPr lang="en-IN"/>
           </a:p>
@@ -3760,20 +3760,12 @@
               <a:buChar char="•"/>
             </a:pPr>
             <a:r>
-              <a:rPr lang="en-US" sz="1800" dirty="0" err="1">
-                <a:solidFill>
-                  <a:schemeClr val="tx2"/>
-                </a:solidFill>
-              </a:rPr>
-              <a:t>Rajvardhan</a:t>
-            </a:r>
-            <a:r>
               <a:rPr lang="en-US" sz="1800">
                 <a:solidFill>
                   <a:schemeClr val="tx2"/>
                 </a:solidFill>
               </a:rPr>
-              <a:t> Deshmukh - 17BCE0919</a:t>
+              <a:t>Manish Jain - 17BCE0819</a:t>
             </a:r>
             <a:endParaRPr lang="en-US" sz="1800" dirty="0">
               <a:solidFill>
